--- a/images/images_for_band2.pptx
+++ b/images/images_for_band2.pptx
@@ -261,7 +261,7 @@
           <a:p>
             <a:fld id="{A0FB9029-BBF4-473F-8537-E1B6B66936E9}" type="datetimeFigureOut">
               <a:rPr lang="es-BO" smtClean="0"/>
-              <a:t>1/2/2024</a:t>
+              <a:t>2/2/2024</a:t>
             </a:fld>
             <a:endParaRPr lang="es-BO"/>
           </a:p>
@@ -461,7 +461,7 @@
           <a:p>
             <a:fld id="{A0FB9029-BBF4-473F-8537-E1B6B66936E9}" type="datetimeFigureOut">
               <a:rPr lang="es-BO" smtClean="0"/>
-              <a:t>1/2/2024</a:t>
+              <a:t>2/2/2024</a:t>
             </a:fld>
             <a:endParaRPr lang="es-BO"/>
           </a:p>
@@ -671,7 +671,7 @@
           <a:p>
             <a:fld id="{A0FB9029-BBF4-473F-8537-E1B6B66936E9}" type="datetimeFigureOut">
               <a:rPr lang="es-BO" smtClean="0"/>
-              <a:t>1/2/2024</a:t>
+              <a:t>2/2/2024</a:t>
             </a:fld>
             <a:endParaRPr lang="es-BO"/>
           </a:p>
@@ -871,7 +871,7 @@
           <a:p>
             <a:fld id="{A0FB9029-BBF4-473F-8537-E1B6B66936E9}" type="datetimeFigureOut">
               <a:rPr lang="es-BO" smtClean="0"/>
-              <a:t>1/2/2024</a:t>
+              <a:t>2/2/2024</a:t>
             </a:fld>
             <a:endParaRPr lang="es-BO"/>
           </a:p>
@@ -1147,7 +1147,7 @@
           <a:p>
             <a:fld id="{A0FB9029-BBF4-473F-8537-E1B6B66936E9}" type="datetimeFigureOut">
               <a:rPr lang="es-BO" smtClean="0"/>
-              <a:t>1/2/2024</a:t>
+              <a:t>2/2/2024</a:t>
             </a:fld>
             <a:endParaRPr lang="es-BO"/>
           </a:p>
@@ -1415,7 +1415,7 @@
           <a:p>
             <a:fld id="{A0FB9029-BBF4-473F-8537-E1B6B66936E9}" type="datetimeFigureOut">
               <a:rPr lang="es-BO" smtClean="0"/>
-              <a:t>1/2/2024</a:t>
+              <a:t>2/2/2024</a:t>
             </a:fld>
             <a:endParaRPr lang="es-BO"/>
           </a:p>
@@ -1830,7 +1830,7 @@
           <a:p>
             <a:fld id="{A0FB9029-BBF4-473F-8537-E1B6B66936E9}" type="datetimeFigureOut">
               <a:rPr lang="es-BO" smtClean="0"/>
-              <a:t>1/2/2024</a:t>
+              <a:t>2/2/2024</a:t>
             </a:fld>
             <a:endParaRPr lang="es-BO"/>
           </a:p>
@@ -1972,7 +1972,7 @@
           <a:p>
             <a:fld id="{A0FB9029-BBF4-473F-8537-E1B6B66936E9}" type="datetimeFigureOut">
               <a:rPr lang="es-BO" smtClean="0"/>
-              <a:t>1/2/2024</a:t>
+              <a:t>2/2/2024</a:t>
             </a:fld>
             <a:endParaRPr lang="es-BO"/>
           </a:p>
@@ -2085,7 +2085,7 @@
           <a:p>
             <a:fld id="{A0FB9029-BBF4-473F-8537-E1B6B66936E9}" type="datetimeFigureOut">
               <a:rPr lang="es-BO" smtClean="0"/>
-              <a:t>1/2/2024</a:t>
+              <a:t>2/2/2024</a:t>
             </a:fld>
             <a:endParaRPr lang="es-BO"/>
           </a:p>
@@ -2398,7 +2398,7 @@
           <a:p>
             <a:fld id="{A0FB9029-BBF4-473F-8537-E1B6B66936E9}" type="datetimeFigureOut">
               <a:rPr lang="es-BO" smtClean="0"/>
-              <a:t>1/2/2024</a:t>
+              <a:t>2/2/2024</a:t>
             </a:fld>
             <a:endParaRPr lang="es-BO"/>
           </a:p>
@@ -2687,7 +2687,7 @@
           <a:p>
             <a:fld id="{A0FB9029-BBF4-473F-8537-E1B6B66936E9}" type="datetimeFigureOut">
               <a:rPr lang="es-BO" smtClean="0"/>
-              <a:t>1/2/2024</a:t>
+              <a:t>2/2/2024</a:t>
             </a:fld>
             <a:endParaRPr lang="es-BO"/>
           </a:p>
@@ -2930,7 +2930,7 @@
           <a:p>
             <a:fld id="{A0FB9029-BBF4-473F-8537-E1B6B66936E9}" type="datetimeFigureOut">
               <a:rPr lang="es-BO" smtClean="0"/>
-              <a:t>1/2/2024</a:t>
+              <a:t>2/2/2024</a:t>
             </a:fld>
             <a:endParaRPr lang="es-BO"/>
           </a:p>
@@ -3357,10 +3357,10 @@
       </p:grpSpPr>
       <p:pic>
         <p:nvPicPr>
-          <p:cNvPr id="4" name="Imagen 3">
-            <a:extLst>
-              <a:ext uri="{FF2B5EF4-FFF2-40B4-BE49-F238E27FC236}">
-                <a16:creationId xmlns:a16="http://schemas.microsoft.com/office/drawing/2014/main" id="{4D22854F-ECE8-4C1E-9389-385B8EFEE7B1}"/>
+          <p:cNvPr id="3" name="Imagen 2">
+            <a:extLst>
+              <a:ext uri="{FF2B5EF4-FFF2-40B4-BE49-F238E27FC236}">
+                <a16:creationId xmlns:a16="http://schemas.microsoft.com/office/drawing/2014/main" id="{56E5B0A0-9BF2-4117-8A88-67D29FB18897}"/>
               </a:ext>
             </a:extLst>
           </p:cNvPr>
@@ -3377,8 +3377,8 @@
         </p:blipFill>
         <p:spPr>
           <a:xfrm>
-            <a:off x="161474" y="678731"/>
-            <a:ext cx="11818200" cy="5476972"/>
+            <a:off x="438150" y="800100"/>
+            <a:ext cx="11315700" cy="5257800"/>
           </a:xfrm>
           <a:prstGeom prst="rect">
             <a:avLst/>
@@ -3387,9 +3387,9 @@
             <a:noFill/>
           </a:ln>
           <a:effectLst>
-            <a:outerShdw blurRad="190500" algn="tl" rotWithShape="0">
-              <a:srgbClr val="000000">
-                <a:alpha val="70000"/>
+            <a:outerShdw blurRad="292100" dist="139700" dir="2700000" algn="tl" rotWithShape="0">
+              <a:srgbClr val="333333">
+                <a:alpha val="65000"/>
               </a:srgbClr>
             </a:outerShdw>
           </a:effectLst>

--- a/images/images_for_band2.pptx
+++ b/images/images_for_band2.pptx
@@ -261,7 +261,7 @@
           <a:p>
             <a:fld id="{A0FB9029-BBF4-473F-8537-E1B6B66936E9}" type="datetimeFigureOut">
               <a:rPr lang="es-BO" smtClean="0"/>
-              <a:t>2/2/2024</a:t>
+              <a:t>7/8/2024</a:t>
             </a:fld>
             <a:endParaRPr lang="es-BO"/>
           </a:p>
@@ -461,7 +461,7 @@
           <a:p>
             <a:fld id="{A0FB9029-BBF4-473F-8537-E1B6B66936E9}" type="datetimeFigureOut">
               <a:rPr lang="es-BO" smtClean="0"/>
-              <a:t>2/2/2024</a:t>
+              <a:t>7/8/2024</a:t>
             </a:fld>
             <a:endParaRPr lang="es-BO"/>
           </a:p>
@@ -671,7 +671,7 @@
           <a:p>
             <a:fld id="{A0FB9029-BBF4-473F-8537-E1B6B66936E9}" type="datetimeFigureOut">
               <a:rPr lang="es-BO" smtClean="0"/>
-              <a:t>2/2/2024</a:t>
+              <a:t>7/8/2024</a:t>
             </a:fld>
             <a:endParaRPr lang="es-BO"/>
           </a:p>
@@ -871,7 +871,7 @@
           <a:p>
             <a:fld id="{A0FB9029-BBF4-473F-8537-E1B6B66936E9}" type="datetimeFigureOut">
               <a:rPr lang="es-BO" smtClean="0"/>
-              <a:t>2/2/2024</a:t>
+              <a:t>7/8/2024</a:t>
             </a:fld>
             <a:endParaRPr lang="es-BO"/>
           </a:p>
@@ -1147,7 +1147,7 @@
           <a:p>
             <a:fld id="{A0FB9029-BBF4-473F-8537-E1B6B66936E9}" type="datetimeFigureOut">
               <a:rPr lang="es-BO" smtClean="0"/>
-              <a:t>2/2/2024</a:t>
+              <a:t>7/8/2024</a:t>
             </a:fld>
             <a:endParaRPr lang="es-BO"/>
           </a:p>
@@ -1415,7 +1415,7 @@
           <a:p>
             <a:fld id="{A0FB9029-BBF4-473F-8537-E1B6B66936E9}" type="datetimeFigureOut">
               <a:rPr lang="es-BO" smtClean="0"/>
-              <a:t>2/2/2024</a:t>
+              <a:t>7/8/2024</a:t>
             </a:fld>
             <a:endParaRPr lang="es-BO"/>
           </a:p>
@@ -1830,7 +1830,7 @@
           <a:p>
             <a:fld id="{A0FB9029-BBF4-473F-8537-E1B6B66936E9}" type="datetimeFigureOut">
               <a:rPr lang="es-BO" smtClean="0"/>
-              <a:t>2/2/2024</a:t>
+              <a:t>7/8/2024</a:t>
             </a:fld>
             <a:endParaRPr lang="es-BO"/>
           </a:p>
@@ -1972,7 +1972,7 @@
           <a:p>
             <a:fld id="{A0FB9029-BBF4-473F-8537-E1B6B66936E9}" type="datetimeFigureOut">
               <a:rPr lang="es-BO" smtClean="0"/>
-              <a:t>2/2/2024</a:t>
+              <a:t>7/8/2024</a:t>
             </a:fld>
             <a:endParaRPr lang="es-BO"/>
           </a:p>
@@ -2085,7 +2085,7 @@
           <a:p>
             <a:fld id="{A0FB9029-BBF4-473F-8537-E1B6B66936E9}" type="datetimeFigureOut">
               <a:rPr lang="es-BO" smtClean="0"/>
-              <a:t>2/2/2024</a:t>
+              <a:t>7/8/2024</a:t>
             </a:fld>
             <a:endParaRPr lang="es-BO"/>
           </a:p>
@@ -2398,7 +2398,7 @@
           <a:p>
             <a:fld id="{A0FB9029-BBF4-473F-8537-E1B6B66936E9}" type="datetimeFigureOut">
               <a:rPr lang="es-BO" smtClean="0"/>
-              <a:t>2/2/2024</a:t>
+              <a:t>7/8/2024</a:t>
             </a:fld>
             <a:endParaRPr lang="es-BO"/>
           </a:p>
@@ -2687,7 +2687,7 @@
           <a:p>
             <a:fld id="{A0FB9029-BBF4-473F-8537-E1B6B66936E9}" type="datetimeFigureOut">
               <a:rPr lang="es-BO" smtClean="0"/>
-              <a:t>2/2/2024</a:t>
+              <a:t>7/8/2024</a:t>
             </a:fld>
             <a:endParaRPr lang="es-BO"/>
           </a:p>
@@ -2930,7 +2930,7 @@
           <a:p>
             <a:fld id="{A0FB9029-BBF4-473F-8537-E1B6B66936E9}" type="datetimeFigureOut">
               <a:rPr lang="es-BO" smtClean="0"/>
-              <a:t>2/2/2024</a:t>
+              <a:t>7/8/2024</a:t>
             </a:fld>
             <a:endParaRPr lang="es-BO"/>
           </a:p>
@@ -3357,10 +3357,10 @@
       </p:grpSpPr>
       <p:pic>
         <p:nvPicPr>
-          <p:cNvPr id="3" name="Imagen 2">
-            <a:extLst>
-              <a:ext uri="{FF2B5EF4-FFF2-40B4-BE49-F238E27FC236}">
-                <a16:creationId xmlns:a16="http://schemas.microsoft.com/office/drawing/2014/main" id="{56E5B0A0-9BF2-4117-8A88-67D29FB18897}"/>
+          <p:cNvPr id="6" name="Imagen 5">
+            <a:extLst>
+              <a:ext uri="{FF2B5EF4-FFF2-40B4-BE49-F238E27FC236}">
+                <a16:creationId xmlns:a16="http://schemas.microsoft.com/office/drawing/2014/main" id="{735E7FE8-7D13-42A6-A8AD-5525D1BFED88}"/>
               </a:ext>
             </a:extLst>
           </p:cNvPr>
@@ -3370,15 +3370,21 @@
           <p:nvPr/>
         </p:nvPicPr>
         <p:blipFill>
-          <a:blip r:embed="rId2"/>
+          <a:blip r:embed="rId2">
+            <a:extLst>
+              <a:ext uri="{28A0092B-C50C-407E-A947-70E740481C1C}">
+                <a14:useLocalDpi xmlns:a14="http://schemas.microsoft.com/office/drawing/2010/main" val="0"/>
+              </a:ext>
+            </a:extLst>
+          </a:blip>
           <a:stretch>
             <a:fillRect/>
           </a:stretch>
         </p:blipFill>
         <p:spPr>
           <a:xfrm>
-            <a:off x="438150" y="800100"/>
-            <a:ext cx="11315700" cy="5257800"/>
+            <a:off x="351623" y="814022"/>
+            <a:ext cx="11488753" cy="5229955"/>
           </a:xfrm>
           <a:prstGeom prst="rect">
             <a:avLst/>
